--- a/IdentityAndSecurity.pptx
+++ b/IdentityAndSecurity.pptx
@@ -9402,7 +9402,7 @@
           <a:graphicData uri="http://schemas.openxmlformats.org/presentationml/2006/ole">
             <mc:AlternateContent xmlns:mc="http://schemas.openxmlformats.org/markup-compatibility/2006">
               <mc:Choice xmlns:v="urn:schemas-microsoft-com:vml" Requires="v">
-                <p:oleObj spid="_x0000_s2056" name="Visio" r:id="rId3" imgW="4038671" imgH="1531809" progId="Visio.Drawing.15">
+                <p:oleObj spid="_x0000_s2057" name="Visio" r:id="rId3" imgW="4038671" imgH="1531809" progId="Visio.Drawing.15">
                   <p:embed/>
                 </p:oleObj>
               </mc:Choice>
@@ -9656,7 +9656,7 @@
           <a:p>
             <a:r>
               <a:rPr lang="en-US" dirty="0"/>
-              <a:t>Azure AD Application Types</a:t>
+              <a:t>Inquiring Minds Want To Know…</a:t>
             </a:r>
           </a:p>
         </p:txBody>
@@ -9728,6 +9728,10 @@
             </a:r>
           </a:p>
           <a:p>
+            <a:pPr lvl="1"/>
+            <a:endParaRPr lang="en-US" sz="1800" dirty="0"/>
+          </a:p>
+          <a:p>
             <a:r>
               <a:rPr lang="en-US" sz="2000" dirty="0"/>
               <a:t>Should the app work on behalf of a user or work as itself</a:t>
@@ -9741,19 +9745,12 @@
             </a:r>
           </a:p>
           <a:p>
+            <a:endParaRPr lang="en-US" sz="2000" dirty="0"/>
+          </a:p>
+          <a:p>
             <a:r>
               <a:rPr lang="en-US" sz="2000" dirty="0"/>
-              <a:t>What resource permissions are required by the app</a:t>
-            </a:r>
-          </a:p>
-          <a:p>
-            <a:pPr lvl="1"/>
-            <a:endParaRPr lang="en-US" sz="1600" dirty="0"/>
-          </a:p>
-          <a:p>
-            <a:r>
-              <a:rPr lang="en-US" sz="2000" dirty="0"/>
-              <a:t>When should permissions be requested and granted</a:t>
+              <a:t>When and how should permissions be requested and granted</a:t>
             </a:r>
           </a:p>
           <a:p>
@@ -10617,117 +10614,9 @@
 </file>
 
 <file path=customXml/item2.xml><?xml version="1.0" encoding="utf-8"?>
-<ct:contentTypeSchema xmlns:ct="http://schemas.microsoft.com/office/2006/metadata/contentType" xmlns:ma="http://schemas.microsoft.com/office/2006/metadata/properties/metaAttributes" ct:_="" ma:_="" ma:contentTypeName="Document" ma:contentTypeID="0x01010043F7775CCE86F349BB7C51FB3CE6B150" ma:contentTypeVersion="0" ma:contentTypeDescription="Create a new document." ma:contentTypeScope="" ma:versionID="bb563817a2861b6b5994bd26a2ba9e40">
-  <xsd:schema xmlns:xsd="http://www.w3.org/2001/XMLSchema" xmlns:xs="http://www.w3.org/2001/XMLSchema" xmlns:p="http://schemas.microsoft.com/office/2006/metadata/properties" targetNamespace="http://schemas.microsoft.com/office/2006/metadata/properties" ma:root="true" ma:fieldsID="c64490b4aec6201516c3a874156f37b2">
-    <xsd:element name="properties">
-      <xsd:complexType>
-        <xsd:sequence>
-          <xsd:element name="documentManagement">
-            <xsd:complexType>
-              <xsd:all/>
-            </xsd:complexType>
-          </xsd:element>
-        </xsd:sequence>
-      </xsd:complexType>
-    </xsd:element>
-  </xsd:schema>
-  <xsd:schema xmlns="http://schemas.openxmlformats.org/package/2006/metadata/core-properties" xmlns:xsd="http://www.w3.org/2001/XMLSchema" xmlns:xsi="http://www.w3.org/2001/XMLSchema-instance" xmlns:dc="http://purl.org/dc/elements/1.1/" xmlns:dcterms="http://purl.org/dc/terms/" xmlns:odoc="http://schemas.microsoft.com/internal/obd" targetNamespace="http://schemas.openxmlformats.org/package/2006/metadata/core-properties" elementFormDefault="qualified" attributeFormDefault="unqualified" blockDefault="#all">
-    <xsd:import namespace="http://purl.org/dc/elements/1.1/" schemaLocation="http://dublincore.org/schemas/xmls/qdc/2003/04/02/dc.xsd"/>
-    <xsd:import namespace="http://purl.org/dc/terms/" schemaLocation="http://dublincore.org/schemas/xmls/qdc/2003/04/02/dcterms.xsd"/>
-    <xsd:element name="coreProperties" type="CT_coreProperties"/>
-    <xsd:complexType name="CT_coreProperties">
-      <xsd:all>
-        <xsd:element ref="dc:creator" minOccurs="0" maxOccurs="1"/>
-        <xsd:element ref="dcterms:created" minOccurs="0" maxOccurs="1"/>
-        <xsd:element ref="dc:identifier" minOccurs="0" maxOccurs="1"/>
-        <xsd:element name="contentType" minOccurs="0" maxOccurs="1" type="xsd:string" ma:index="0" ma:displayName="Content Type"/>
-        <xsd:element ref="dc:title" minOccurs="0" maxOccurs="1" ma:index="4" ma:displayName="Title"/>
-        <xsd:element ref="dc:subject" minOccurs="0" maxOccurs="1"/>
-        <xsd:element ref="dc:description" minOccurs="0" maxOccurs="1"/>
-        <xsd:element name="keywords" minOccurs="0" maxOccurs="1" type="xsd:string"/>
-        <xsd:element ref="dc:language" minOccurs="0" maxOccurs="1"/>
-        <xsd:element name="category" minOccurs="0" maxOccurs="1" type="xsd:string"/>
-        <xsd:element name="version" minOccurs="0" maxOccurs="1" type="xsd:string"/>
-        <xsd:element name="revision" minOccurs="0" maxOccurs="1" type="xsd:string">
-          <xsd:annotation>
-            <xsd:documentation>
-                        This value indicates the number of saves or revisions. The application is responsible for updating this value after each revision.
-                    </xsd:documentation>
-          </xsd:annotation>
-        </xsd:element>
-        <xsd:element name="lastModifiedBy" minOccurs="0" maxOccurs="1" type="xsd:string"/>
-        <xsd:element ref="dcterms:modified" minOccurs="0" maxOccurs="1"/>
-        <xsd:element name="contentStatus" minOccurs="0" maxOccurs="1" type="xsd:string"/>
-      </xsd:all>
-    </xsd:complexType>
-  </xsd:schema>
-  <xs:schema xmlns:pc="http://schemas.microsoft.com/office/infopath/2007/PartnerControls" xmlns:xs="http://www.w3.org/2001/XMLSchema" targetNamespace="http://schemas.microsoft.com/office/infopath/2007/PartnerControls" elementFormDefault="qualified" attributeFormDefault="unqualified">
-    <xs:element name="Person">
-      <xs:complexType>
-        <xs:sequence>
-          <xs:element ref="pc:DisplayName" minOccurs="0"/>
-          <xs:element ref="pc:AccountId" minOccurs="0"/>
-          <xs:element ref="pc:AccountType" minOccurs="0"/>
-        </xs:sequence>
-      </xs:complexType>
-    </xs:element>
-    <xs:element name="DisplayName" type="xs:string"/>
-    <xs:element name="AccountId" type="xs:string"/>
-    <xs:element name="AccountType" type="xs:string"/>
-    <xs:element name="BDCAssociatedEntity">
-      <xs:complexType>
-        <xs:sequence>
-          <xs:element ref="pc:BDCEntity" minOccurs="0" maxOccurs="unbounded"/>
-        </xs:sequence>
-        <xs:attribute ref="pc:EntityNamespace"/>
-        <xs:attribute ref="pc:EntityName"/>
-        <xs:attribute ref="pc:SystemInstanceName"/>
-        <xs:attribute ref="pc:AssociationName"/>
-      </xs:complexType>
-    </xs:element>
-    <xs:attribute name="EntityNamespace" type="xs:string"/>
-    <xs:attribute name="EntityName" type="xs:string"/>
-    <xs:attribute name="SystemInstanceName" type="xs:string"/>
-    <xs:attribute name="AssociationName" type="xs:string"/>
-    <xs:element name="BDCEntity">
-      <xs:complexType>
-        <xs:sequence>
-          <xs:element ref="pc:EntityDisplayName" minOccurs="0"/>
-          <xs:element ref="pc:EntityInstanceReference" minOccurs="0"/>
-          <xs:element ref="pc:EntityId1" minOccurs="0"/>
-          <xs:element ref="pc:EntityId2" minOccurs="0"/>
-          <xs:element ref="pc:EntityId3" minOccurs="0"/>
-          <xs:element ref="pc:EntityId4" minOccurs="0"/>
-          <xs:element ref="pc:EntityId5" minOccurs="0"/>
-        </xs:sequence>
-      </xs:complexType>
-    </xs:element>
-    <xs:element name="EntityDisplayName" type="xs:string"/>
-    <xs:element name="EntityInstanceReference" type="xs:string"/>
-    <xs:element name="EntityId1" type="xs:string"/>
-    <xs:element name="EntityId2" type="xs:string"/>
-    <xs:element name="EntityId3" type="xs:string"/>
-    <xs:element name="EntityId4" type="xs:string"/>
-    <xs:element name="EntityId5" type="xs:string"/>
-    <xs:element name="Terms">
-      <xs:complexType>
-        <xs:sequence>
-          <xs:element ref="pc:TermInfo" minOccurs="0" maxOccurs="unbounded"/>
-        </xs:sequence>
-      </xs:complexType>
-    </xs:element>
-    <xs:element name="TermInfo">
-      <xs:complexType>
-        <xs:sequence>
-          <xs:element ref="pc:TermName" minOccurs="0"/>
-          <xs:element ref="pc:TermId" minOccurs="0"/>
-        </xs:sequence>
-      </xs:complexType>
-    </xs:element>
-    <xs:element name="TermName" type="xs:string"/>
-    <xs:element name="TermId" type="xs:string"/>
-  </xs:schema>
-</ct:contentTypeSchema>
+<p:properties xmlns:p="http://schemas.microsoft.com/office/2006/metadata/properties" xmlns:xsi="http://www.w3.org/2001/XMLSchema-instance">
+  <documentManagement/>
+</p:properties>
 </file>
 
 <file path=customXml/item3.xml><?xml version="1.0" encoding="utf-8"?>
@@ -10881,9 +10770,117 @@
 </file>
 
 <file path=customXml/item4.xml><?xml version="1.0" encoding="utf-8"?>
-<p:properties xmlns:p="http://schemas.microsoft.com/office/2006/metadata/properties" xmlns:xsi="http://www.w3.org/2001/XMLSchema-instance">
-  <documentManagement/>
-</p:properties>
+<ct:contentTypeSchema xmlns:ct="http://schemas.microsoft.com/office/2006/metadata/contentType" xmlns:ma="http://schemas.microsoft.com/office/2006/metadata/properties/metaAttributes" ct:_="" ma:_="" ma:contentTypeName="Document" ma:contentTypeID="0x01010043F7775CCE86F349BB7C51FB3CE6B150" ma:contentTypeVersion="0" ma:contentTypeDescription="Create a new document." ma:contentTypeScope="" ma:versionID="bb563817a2861b6b5994bd26a2ba9e40">
+  <xsd:schema xmlns:xsd="http://www.w3.org/2001/XMLSchema" xmlns:xs="http://www.w3.org/2001/XMLSchema" xmlns:p="http://schemas.microsoft.com/office/2006/metadata/properties" targetNamespace="http://schemas.microsoft.com/office/2006/metadata/properties" ma:root="true" ma:fieldsID="c64490b4aec6201516c3a874156f37b2">
+    <xsd:element name="properties">
+      <xsd:complexType>
+        <xsd:sequence>
+          <xsd:element name="documentManagement">
+            <xsd:complexType>
+              <xsd:all/>
+            </xsd:complexType>
+          </xsd:element>
+        </xsd:sequence>
+      </xsd:complexType>
+    </xsd:element>
+  </xsd:schema>
+  <xsd:schema xmlns="http://schemas.openxmlformats.org/package/2006/metadata/core-properties" xmlns:xsd="http://www.w3.org/2001/XMLSchema" xmlns:xsi="http://www.w3.org/2001/XMLSchema-instance" xmlns:dc="http://purl.org/dc/elements/1.1/" xmlns:dcterms="http://purl.org/dc/terms/" xmlns:odoc="http://schemas.microsoft.com/internal/obd" targetNamespace="http://schemas.openxmlformats.org/package/2006/metadata/core-properties" elementFormDefault="qualified" attributeFormDefault="unqualified" blockDefault="#all">
+    <xsd:import namespace="http://purl.org/dc/elements/1.1/" schemaLocation="http://dublincore.org/schemas/xmls/qdc/2003/04/02/dc.xsd"/>
+    <xsd:import namespace="http://purl.org/dc/terms/" schemaLocation="http://dublincore.org/schemas/xmls/qdc/2003/04/02/dcterms.xsd"/>
+    <xsd:element name="coreProperties" type="CT_coreProperties"/>
+    <xsd:complexType name="CT_coreProperties">
+      <xsd:all>
+        <xsd:element ref="dc:creator" minOccurs="0" maxOccurs="1"/>
+        <xsd:element ref="dcterms:created" minOccurs="0" maxOccurs="1"/>
+        <xsd:element ref="dc:identifier" minOccurs="0" maxOccurs="1"/>
+        <xsd:element name="contentType" minOccurs="0" maxOccurs="1" type="xsd:string" ma:index="0" ma:displayName="Content Type"/>
+        <xsd:element ref="dc:title" minOccurs="0" maxOccurs="1" ma:index="4" ma:displayName="Title"/>
+        <xsd:element ref="dc:subject" minOccurs="0" maxOccurs="1"/>
+        <xsd:element ref="dc:description" minOccurs="0" maxOccurs="1"/>
+        <xsd:element name="keywords" minOccurs="0" maxOccurs="1" type="xsd:string"/>
+        <xsd:element ref="dc:language" minOccurs="0" maxOccurs="1"/>
+        <xsd:element name="category" minOccurs="0" maxOccurs="1" type="xsd:string"/>
+        <xsd:element name="version" minOccurs="0" maxOccurs="1" type="xsd:string"/>
+        <xsd:element name="revision" minOccurs="0" maxOccurs="1" type="xsd:string">
+          <xsd:annotation>
+            <xsd:documentation>
+                        This value indicates the number of saves or revisions. The application is responsible for updating this value after each revision.
+                    </xsd:documentation>
+          </xsd:annotation>
+        </xsd:element>
+        <xsd:element name="lastModifiedBy" minOccurs="0" maxOccurs="1" type="xsd:string"/>
+        <xsd:element ref="dcterms:modified" minOccurs="0" maxOccurs="1"/>
+        <xsd:element name="contentStatus" minOccurs="0" maxOccurs="1" type="xsd:string"/>
+      </xsd:all>
+    </xsd:complexType>
+  </xsd:schema>
+  <xs:schema xmlns:pc="http://schemas.microsoft.com/office/infopath/2007/PartnerControls" xmlns:xs="http://www.w3.org/2001/XMLSchema" targetNamespace="http://schemas.microsoft.com/office/infopath/2007/PartnerControls" elementFormDefault="qualified" attributeFormDefault="unqualified">
+    <xs:element name="Person">
+      <xs:complexType>
+        <xs:sequence>
+          <xs:element ref="pc:DisplayName" minOccurs="0"/>
+          <xs:element ref="pc:AccountId" minOccurs="0"/>
+          <xs:element ref="pc:AccountType" minOccurs="0"/>
+        </xs:sequence>
+      </xs:complexType>
+    </xs:element>
+    <xs:element name="DisplayName" type="xs:string"/>
+    <xs:element name="AccountId" type="xs:string"/>
+    <xs:element name="AccountType" type="xs:string"/>
+    <xs:element name="BDCAssociatedEntity">
+      <xs:complexType>
+        <xs:sequence>
+          <xs:element ref="pc:BDCEntity" minOccurs="0" maxOccurs="unbounded"/>
+        </xs:sequence>
+        <xs:attribute ref="pc:EntityNamespace"/>
+        <xs:attribute ref="pc:EntityName"/>
+        <xs:attribute ref="pc:SystemInstanceName"/>
+        <xs:attribute ref="pc:AssociationName"/>
+      </xs:complexType>
+    </xs:element>
+    <xs:attribute name="EntityNamespace" type="xs:string"/>
+    <xs:attribute name="EntityName" type="xs:string"/>
+    <xs:attribute name="SystemInstanceName" type="xs:string"/>
+    <xs:attribute name="AssociationName" type="xs:string"/>
+    <xs:element name="BDCEntity">
+      <xs:complexType>
+        <xs:sequence>
+          <xs:element ref="pc:EntityDisplayName" minOccurs="0"/>
+          <xs:element ref="pc:EntityInstanceReference" minOccurs="0"/>
+          <xs:element ref="pc:EntityId1" minOccurs="0"/>
+          <xs:element ref="pc:EntityId2" minOccurs="0"/>
+          <xs:element ref="pc:EntityId3" minOccurs="0"/>
+          <xs:element ref="pc:EntityId4" minOccurs="0"/>
+          <xs:element ref="pc:EntityId5" minOccurs="0"/>
+        </xs:sequence>
+      </xs:complexType>
+    </xs:element>
+    <xs:element name="EntityDisplayName" type="xs:string"/>
+    <xs:element name="EntityInstanceReference" type="xs:string"/>
+    <xs:element name="EntityId1" type="xs:string"/>
+    <xs:element name="EntityId2" type="xs:string"/>
+    <xs:element name="EntityId3" type="xs:string"/>
+    <xs:element name="EntityId4" type="xs:string"/>
+    <xs:element name="EntityId5" type="xs:string"/>
+    <xs:element name="Terms">
+      <xs:complexType>
+        <xs:sequence>
+          <xs:element ref="pc:TermInfo" minOccurs="0" maxOccurs="unbounded"/>
+        </xs:sequence>
+      </xs:complexType>
+    </xs:element>
+    <xs:element name="TermInfo">
+      <xs:complexType>
+        <xs:sequence>
+          <xs:element ref="pc:TermName" minOccurs="0"/>
+          <xs:element ref="pc:TermId" minOccurs="0"/>
+        </xs:sequence>
+      </xs:complexType>
+    </xs:element>
+    <xs:element name="TermName" type="xs:string"/>
+    <xs:element name="TermId" type="xs:string"/>
+  </xs:schema>
+</ct:contentTypeSchema>
 </file>
 
 <file path=customXml/itemProps1.xml><?xml version="1.0" encoding="utf-8"?>
@@ -10895,6 +10892,29 @@
 </file>
 
 <file path=customXml/itemProps2.xml><?xml version="1.0" encoding="utf-8"?>
+<ds:datastoreItem xmlns:ds="http://schemas.openxmlformats.org/officeDocument/2006/customXml" ds:itemID="{A5547237-B119-45CA-BEFC-A2DA2BDB03E7}">
+  <ds:schemaRefs>
+    <ds:schemaRef ds:uri="http://schemas.microsoft.com/office/2006/documentManagement/types"/>
+    <ds:schemaRef ds:uri="http://purl.org/dc/elements/1.1/"/>
+    <ds:schemaRef ds:uri="http://schemas.microsoft.com/office/infopath/2007/PartnerControls"/>
+    <ds:schemaRef ds:uri="http://purl.org/dc/dcmitype/"/>
+    <ds:schemaRef ds:uri="http://schemas.openxmlformats.org/package/2006/metadata/core-properties"/>
+    <ds:schemaRef ds:uri="http://www.w3.org/XML/1998/namespace"/>
+    <ds:schemaRef ds:uri="http://purl.org/dc/terms/"/>
+    <ds:schemaRef ds:uri="http://schemas.microsoft.com/office/2006/metadata/properties"/>
+  </ds:schemaRefs>
+</ds:datastoreItem>
+</file>
+
+<file path=customXml/itemProps3.xml><?xml version="1.0" encoding="utf-8"?>
+<ds:datastoreItem xmlns:ds="http://schemas.openxmlformats.org/officeDocument/2006/customXml" ds:itemID="{8865FC99-B6BD-4E98-8312-F4F432C217EA}">
+  <ds:schemaRefs>
+    <ds:schemaRef ds:uri="http://schemas.microsoft.com/office/2009/outspace/metadata"/>
+  </ds:schemaRefs>
+</ds:datastoreItem>
+</file>
+
+<file path=customXml/itemProps4.xml><?xml version="1.0" encoding="utf-8"?>
 <ds:datastoreItem xmlns:ds="http://schemas.openxmlformats.org/officeDocument/2006/customXml" ds:itemID="{63F8C001-70B3-4AE4-BEC2-202AE4E30C7A}">
   <ds:schemaRefs>
     <ds:schemaRef ds:uri="http://schemas.microsoft.com/office/2006/metadata/contentType"/>
@@ -10908,27 +10928,4 @@
     <ds:schemaRef ds:uri="http://schemas.microsoft.com/office/infopath/2007/PartnerControls"/>
   </ds:schemaRefs>
 </ds:datastoreItem>
-</file>
-
-<file path=customXml/itemProps3.xml><?xml version="1.0" encoding="utf-8"?>
-<ds:datastoreItem xmlns:ds="http://schemas.openxmlformats.org/officeDocument/2006/customXml" ds:itemID="{8865FC99-B6BD-4E98-8312-F4F432C217EA}">
-  <ds:schemaRefs>
-    <ds:schemaRef ds:uri="http://schemas.microsoft.com/office/2009/outspace/metadata"/>
-  </ds:schemaRefs>
-</ds:datastoreItem>
-</file>
-
-<file path=customXml/itemProps4.xml><?xml version="1.0" encoding="utf-8"?>
-<ds:datastoreItem xmlns:ds="http://schemas.openxmlformats.org/officeDocument/2006/customXml" ds:itemID="{A5547237-B119-45CA-BEFC-A2DA2BDB03E7}">
-  <ds:schemaRefs>
-    <ds:schemaRef ds:uri="http://schemas.microsoft.com/office/2006/documentManagement/types"/>
-    <ds:schemaRef ds:uri="http://purl.org/dc/elements/1.1/"/>
-    <ds:schemaRef ds:uri="http://schemas.microsoft.com/office/infopath/2007/PartnerControls"/>
-    <ds:schemaRef ds:uri="http://purl.org/dc/dcmitype/"/>
-    <ds:schemaRef ds:uri="http://schemas.openxmlformats.org/package/2006/metadata/core-properties"/>
-    <ds:schemaRef ds:uri="http://www.w3.org/XML/1998/namespace"/>
-    <ds:schemaRef ds:uri="http://purl.org/dc/terms/"/>
-    <ds:schemaRef ds:uri="http://schemas.microsoft.com/office/2006/metadata/properties"/>
-  </ds:schemaRefs>
-</ds:datastoreItem>
 </file>